--- a/_Projet fil rouge/Projet.pptx
+++ b/_Projet fil rouge/Projet.pptx
@@ -105,6 +105,11 @@
       </a:defRPr>
     </a:lvl9pPr>
   </p:defaultTextStyle>
+  <p:extLst>
+    <p:ext uri="{EFAFB233-063F-42B5-8137-9DF3F51BA10A}">
+      <p15:sldGuideLst xmlns:p15="http://schemas.microsoft.com/office/powerpoint/2012/main"/>
+    </p:ext>
+  </p:extLst>
 </p:presentation>
 </file>
 
@@ -3543,21 +3548,139 @@
             <p:ph idx="1"/>
           </p:nvPr>
         </p:nvSpPr>
-        <p:spPr/>
-        <p:txBody>
-          <a:bodyPr/>
+        <p:spPr>
+          <a:xfrm>
+            <a:off x="838200" y="1814051"/>
+            <a:ext cx="10744200" cy="4078750"/>
+          </a:xfrm>
+        </p:spPr>
+        <p:txBody>
+          <a:bodyPr>
+            <a:normAutofit fontScale="92500" lnSpcReduction="20000"/>
+          </a:bodyPr>
           <a:lstStyle/>
           <a:p>
+            <a:pPr marL="0" indent="0">
+              <a:buNone/>
+            </a:pPr>
+            <a:r>
+              <a:rPr lang="fr-FR" sz="3000" dirty="0">
+                <a:solidFill>
+                  <a:schemeClr val="bg1"/>
+                </a:solidFill>
+              </a:rPr>
+              <a:t>Créer un jeu d’énigmes flash:</a:t>
+            </a:r>
+          </a:p>
+          <a:p>
+            <a:endParaRPr lang="fr-FR" sz="2700" dirty="0">
+              <a:solidFill>
+                <a:schemeClr val="bg1"/>
+              </a:solidFill>
+            </a:endParaRPr>
+          </a:p>
+          <a:p>
+            <a:pPr marL="457200" lvl="1" indent="0">
+              <a:buNone/>
+            </a:pPr>
+            <a:r>
+              <a:rPr lang="fr-FR" sz="2300" dirty="0">
+                <a:solidFill>
+                  <a:schemeClr val="bg1"/>
+                </a:solidFill>
+              </a:rPr>
+              <a:t>	</a:t>
+            </a:r>
             <a:r>
               <a:rPr lang="fr-FR" dirty="0">
                 <a:solidFill>
                   <a:schemeClr val="bg1"/>
                 </a:solidFill>
               </a:rPr>
-              <a:t>Créer un jeu flash </a:t>
-            </a:r>
-          </a:p>
-          <a:p>
+              <a:t>- basé sur nos points en communs, 	  l’univers du jeu vidéo</a:t>
+            </a:r>
+          </a:p>
+          <a:p>
+            <a:pPr marL="457200" lvl="1" indent="0">
+              <a:buNone/>
+            </a:pPr>
+            <a:endParaRPr lang="fr-FR" dirty="0">
+              <a:solidFill>
+                <a:schemeClr val="bg1"/>
+              </a:solidFill>
+            </a:endParaRPr>
+          </a:p>
+          <a:p>
+            <a:pPr marL="0" indent="0">
+              <a:buNone/>
+            </a:pPr>
+            <a:r>
+              <a:rPr lang="fr-FR" sz="2400" dirty="0">
+                <a:solidFill>
+                  <a:schemeClr val="bg1"/>
+                </a:solidFill>
+              </a:rPr>
+              <a:t>	- objectif ambitieux mais 				  réalisable</a:t>
+            </a:r>
+          </a:p>
+          <a:p>
+            <a:pPr marL="0" indent="0">
+              <a:buNone/>
+            </a:pPr>
+            <a:r>
+              <a:rPr lang="fr-FR" sz="2400" dirty="0">
+                <a:solidFill>
+                  <a:schemeClr val="bg1"/>
+                </a:solidFill>
+              </a:rPr>
+              <a:t>	- simple pour les joueurs</a:t>
+            </a:r>
+          </a:p>
+          <a:p>
+            <a:pPr marL="0" indent="0">
+              <a:buNone/>
+            </a:pPr>
+            <a:endParaRPr lang="fr-FR" sz="2400" dirty="0">
+              <a:solidFill>
+                <a:schemeClr val="bg1"/>
+              </a:solidFill>
+            </a:endParaRPr>
+          </a:p>
+          <a:p>
+            <a:pPr marL="0" indent="0">
+              <a:buNone/>
+            </a:pPr>
+            <a:r>
+              <a:rPr lang="fr-FR" sz="2400" dirty="0">
+                <a:solidFill>
+                  <a:schemeClr val="bg1"/>
+                </a:solidFill>
+              </a:rPr>
+              <a:t>	- graphiques soignés</a:t>
+            </a:r>
+          </a:p>
+          <a:p>
+            <a:pPr marL="0" indent="0">
+              <a:buNone/>
+            </a:pPr>
+            <a:endParaRPr lang="fr-FR" sz="2400" dirty="0">
+              <a:solidFill>
+                <a:schemeClr val="bg1"/>
+              </a:solidFill>
+            </a:endParaRPr>
+          </a:p>
+          <a:p>
+            <a:pPr marL="0" indent="0">
+              <a:buNone/>
+            </a:pPr>
+            <a:r>
+              <a:rPr lang="fr-FR" sz="2400" dirty="0">
+                <a:solidFill>
+                  <a:schemeClr val="bg1"/>
+                </a:solidFill>
+              </a:rPr>
+              <a:t>	</a:t>
+            </a:r>
             <a:endParaRPr lang="fr-FR" dirty="0"/>
           </a:p>
         </p:txBody>
